--- a/raw-assets/python-excel-workflow.pptx
+++ b/raw-assets/python-excel-workflow.pptx
@@ -104,6 +104,11 @@
       </a:defRPr>
     </a:lvl9pPr>
   </p:defaultTextStyle>
+  <p:extLst>
+    <p:ext uri="{EFAFB233-063F-42B5-8137-9DF3F51BA10A}">
+      <p15:sldGuideLst xmlns:p15="http://schemas.microsoft.com/office/powerpoint/2012/main"/>
+    </p:ext>
+  </p:extLst>
 </p:presentation>
 </file>
 
@@ -238,7 +243,7 @@
           <a:p>
             <a:fld id="{24636ED1-01E3-41A1-8FC1-95D3A33AD6D8}" type="datetimeFigureOut">
               <a:rPr lang="en-US" smtClean="0"/>
-              <a:t>7/3/2021</a:t>
+              <a:t>8/11/2021</a:t>
             </a:fld>
             <a:endParaRPr lang="en-US"/>
           </a:p>
@@ -408,7 +413,7 @@
           <a:p>
             <a:fld id="{24636ED1-01E3-41A1-8FC1-95D3A33AD6D8}" type="datetimeFigureOut">
               <a:rPr lang="en-US" smtClean="0"/>
-              <a:t>7/3/2021</a:t>
+              <a:t>8/11/2021</a:t>
             </a:fld>
             <a:endParaRPr lang="en-US"/>
           </a:p>
@@ -588,7 +593,7 @@
           <a:p>
             <a:fld id="{24636ED1-01E3-41A1-8FC1-95D3A33AD6D8}" type="datetimeFigureOut">
               <a:rPr lang="en-US" smtClean="0"/>
-              <a:t>7/3/2021</a:t>
+              <a:t>8/11/2021</a:t>
             </a:fld>
             <a:endParaRPr lang="en-US"/>
           </a:p>
@@ -758,7 +763,7 @@
           <a:p>
             <a:fld id="{24636ED1-01E3-41A1-8FC1-95D3A33AD6D8}" type="datetimeFigureOut">
               <a:rPr lang="en-US" smtClean="0"/>
-              <a:t>7/3/2021</a:t>
+              <a:t>8/11/2021</a:t>
             </a:fld>
             <a:endParaRPr lang="en-US"/>
           </a:p>
@@ -1002,7 +1007,7 @@
           <a:p>
             <a:fld id="{24636ED1-01E3-41A1-8FC1-95D3A33AD6D8}" type="datetimeFigureOut">
               <a:rPr lang="en-US" smtClean="0"/>
-              <a:t>7/3/2021</a:t>
+              <a:t>8/11/2021</a:t>
             </a:fld>
             <a:endParaRPr lang="en-US"/>
           </a:p>
@@ -1234,7 +1239,7 @@
           <a:p>
             <a:fld id="{24636ED1-01E3-41A1-8FC1-95D3A33AD6D8}" type="datetimeFigureOut">
               <a:rPr lang="en-US" smtClean="0"/>
-              <a:t>7/3/2021</a:t>
+              <a:t>8/11/2021</a:t>
             </a:fld>
             <a:endParaRPr lang="en-US"/>
           </a:p>
@@ -1601,7 +1606,7 @@
           <a:p>
             <a:fld id="{24636ED1-01E3-41A1-8FC1-95D3A33AD6D8}" type="datetimeFigureOut">
               <a:rPr lang="en-US" smtClean="0"/>
-              <a:t>7/3/2021</a:t>
+              <a:t>8/11/2021</a:t>
             </a:fld>
             <a:endParaRPr lang="en-US"/>
           </a:p>
@@ -1719,7 +1724,7 @@
           <a:p>
             <a:fld id="{24636ED1-01E3-41A1-8FC1-95D3A33AD6D8}" type="datetimeFigureOut">
               <a:rPr lang="en-US" smtClean="0"/>
-              <a:t>7/3/2021</a:t>
+              <a:t>8/11/2021</a:t>
             </a:fld>
             <a:endParaRPr lang="en-US"/>
           </a:p>
@@ -1814,7 +1819,7 @@
           <a:p>
             <a:fld id="{24636ED1-01E3-41A1-8FC1-95D3A33AD6D8}" type="datetimeFigureOut">
               <a:rPr lang="en-US" smtClean="0"/>
-              <a:t>7/3/2021</a:t>
+              <a:t>8/11/2021</a:t>
             </a:fld>
             <a:endParaRPr lang="en-US"/>
           </a:p>
@@ -2091,7 +2096,7 @@
           <a:p>
             <a:fld id="{24636ED1-01E3-41A1-8FC1-95D3A33AD6D8}" type="datetimeFigureOut">
               <a:rPr lang="en-US" smtClean="0"/>
-              <a:t>7/3/2021</a:t>
+              <a:t>8/11/2021</a:t>
             </a:fld>
             <a:endParaRPr lang="en-US"/>
           </a:p>
@@ -2348,7 +2353,7 @@
           <a:p>
             <a:fld id="{24636ED1-01E3-41A1-8FC1-95D3A33AD6D8}" type="datetimeFigureOut">
               <a:rPr lang="en-US" smtClean="0"/>
-              <a:t>7/3/2021</a:t>
+              <a:t>8/11/2021</a:t>
             </a:fld>
             <a:endParaRPr lang="en-US"/>
           </a:p>
@@ -2561,7 +2566,7 @@
           <a:p>
             <a:fld id="{24636ED1-01E3-41A1-8FC1-95D3A33AD6D8}" type="datetimeFigureOut">
               <a:rPr lang="en-US" smtClean="0"/>
-              <a:t>7/3/2021</a:t>
+              <a:t>8/11/2021</a:t>
             </a:fld>
             <a:endParaRPr lang="en-US"/>
           </a:p>
@@ -4080,11 +4085,11 @@
             <a:r>
               <a:rPr lang="en-US" sz="2100" b="1" dirty="0">
                 <a:solidFill>
-                  <a:srgbClr val="FF0000"/>
+                  <a:srgbClr val="C00000"/>
                 </a:solidFill>
                 <a:latin typeface="Pragmatica" panose="020B7200000000000000" pitchFamily="34" charset="0"/>
               </a:rPr>
-              <a:t>The basic Python &lt;&gt; Excel workflow</a:t>
+              <a:t>A basic Python &lt;&gt; Excel workflow</a:t>
             </a:r>
           </a:p>
         </p:txBody>
